--- a/32成為聖潔.pptx
+++ b/32成為聖潔.pptx
@@ -312,7 +312,7 @@
             <a:fld id="{86B5546F-C09B-4E63-ABC5-F7C86A7E8D66}" type="datetimeFigureOut">
               <a:rPr lang="en-US" smtClean="0"/>
               <a:pPr/>
-              <a:t>8/1/2020</a:t>
+              <a:t>5/6/2023</a:t>
             </a:fld>
             <a:endParaRPr lang="en-US"/>
           </a:p>
@@ -484,7 +484,7 @@
             <a:fld id="{86B5546F-C09B-4E63-ABC5-F7C86A7E8D66}" type="datetimeFigureOut">
               <a:rPr lang="en-US" smtClean="0"/>
               <a:pPr/>
-              <a:t>8/1/2020</a:t>
+              <a:t>5/6/2023</a:t>
             </a:fld>
             <a:endParaRPr lang="en-US"/>
           </a:p>
@@ -666,7 +666,7 @@
             <a:fld id="{86B5546F-C09B-4E63-ABC5-F7C86A7E8D66}" type="datetimeFigureOut">
               <a:rPr lang="en-US" smtClean="0"/>
               <a:pPr/>
-              <a:t>8/1/2020</a:t>
+              <a:t>5/6/2023</a:t>
             </a:fld>
             <a:endParaRPr lang="en-US"/>
           </a:p>
@@ -838,7 +838,7 @@
             <a:fld id="{86B5546F-C09B-4E63-ABC5-F7C86A7E8D66}" type="datetimeFigureOut">
               <a:rPr lang="en-US" smtClean="0"/>
               <a:pPr/>
-              <a:t>8/1/2020</a:t>
+              <a:t>5/6/2023</a:t>
             </a:fld>
             <a:endParaRPr lang="en-US"/>
           </a:p>
@@ -1086,7 +1086,7 @@
             <a:fld id="{86B5546F-C09B-4E63-ABC5-F7C86A7E8D66}" type="datetimeFigureOut">
               <a:rPr lang="en-US" smtClean="0"/>
               <a:pPr/>
-              <a:t>8/1/2020</a:t>
+              <a:t>5/6/2023</a:t>
             </a:fld>
             <a:endParaRPr lang="en-US"/>
           </a:p>
@@ -1376,7 +1376,7 @@
             <a:fld id="{86B5546F-C09B-4E63-ABC5-F7C86A7E8D66}" type="datetimeFigureOut">
               <a:rPr lang="en-US" smtClean="0"/>
               <a:pPr/>
-              <a:t>8/1/2020</a:t>
+              <a:t>5/6/2023</a:t>
             </a:fld>
             <a:endParaRPr lang="en-US"/>
           </a:p>
@@ -1800,7 +1800,7 @@
             <a:fld id="{86B5546F-C09B-4E63-ABC5-F7C86A7E8D66}" type="datetimeFigureOut">
               <a:rPr lang="en-US" smtClean="0"/>
               <a:pPr/>
-              <a:t>8/1/2020</a:t>
+              <a:t>5/6/2023</a:t>
             </a:fld>
             <a:endParaRPr lang="en-US"/>
           </a:p>
@@ -1920,7 +1920,7 @@
             <a:fld id="{86B5546F-C09B-4E63-ABC5-F7C86A7E8D66}" type="datetimeFigureOut">
               <a:rPr lang="en-US" smtClean="0"/>
               <a:pPr/>
-              <a:t>8/1/2020</a:t>
+              <a:t>5/6/2023</a:t>
             </a:fld>
             <a:endParaRPr lang="en-US"/>
           </a:p>
@@ -2017,7 +2017,7 @@
             <a:fld id="{86B5546F-C09B-4E63-ABC5-F7C86A7E8D66}" type="datetimeFigureOut">
               <a:rPr lang="en-US" smtClean="0"/>
               <a:pPr/>
-              <a:t>8/1/2020</a:t>
+              <a:t>5/6/2023</a:t>
             </a:fld>
             <a:endParaRPr lang="en-US"/>
           </a:p>
@@ -2296,7 +2296,7 @@
             <a:fld id="{86B5546F-C09B-4E63-ABC5-F7C86A7E8D66}" type="datetimeFigureOut">
               <a:rPr lang="en-US" smtClean="0"/>
               <a:pPr/>
-              <a:t>8/1/2020</a:t>
+              <a:t>5/6/2023</a:t>
             </a:fld>
             <a:endParaRPr lang="en-US"/>
           </a:p>
@@ -2555,7 +2555,7 @@
             <a:fld id="{86B5546F-C09B-4E63-ABC5-F7C86A7E8D66}" type="datetimeFigureOut">
               <a:rPr lang="en-US" smtClean="0"/>
               <a:pPr/>
-              <a:t>8/1/2020</a:t>
+              <a:t>5/6/2023</a:t>
             </a:fld>
             <a:endParaRPr lang="en-US"/>
           </a:p>
@@ -2775,7 +2775,7 @@
             <a:fld id="{86B5546F-C09B-4E63-ABC5-F7C86A7E8D66}" type="datetimeFigureOut">
               <a:rPr lang="en-US" smtClean="0"/>
               <a:pPr/>
-              <a:t>8/1/2020</a:t>
+              <a:t>5/6/2023</a:t>
             </a:fld>
             <a:endParaRPr lang="en-US"/>
           </a:p>
@@ -3784,7 +3784,87 @@
                 <a:latin typeface="微軟正黑體" pitchFamily="34" charset="-120"/>
                 <a:ea typeface="微軟正黑體" pitchFamily="34" charset="-120"/>
               </a:rPr>
-              <a:t>凡靠著他進到神面前的人他都能拯救到底；因為他是長遠活著，替他們祈求</a:t>
+              <a:t>凡靠</a:t>
+            </a:r>
+            <a:r>
+              <a:rPr lang="zh-TW" altLang="en-US" sz="6400" dirty="0" smtClean="0">
+                <a:solidFill>
+                  <a:srgbClr val="000066"/>
+                </a:solidFill>
+                <a:latin typeface="微軟正黑體" pitchFamily="34" charset="-120"/>
+                <a:ea typeface="微軟正黑體" pitchFamily="34" charset="-120"/>
+              </a:rPr>
+              <a:t>著</a:t>
+            </a:r>
+            <a:r>
+              <a:rPr lang="zh-CN" altLang="en-US" sz="6400" dirty="0" smtClean="0">
+                <a:solidFill>
+                  <a:srgbClr val="000066"/>
+                </a:solidFill>
+                <a:latin typeface="微軟正黑體" pitchFamily="34" charset="-120"/>
+                <a:ea typeface="微軟正黑體" pitchFamily="34" charset="-120"/>
+              </a:rPr>
+              <a:t>祂</a:t>
+            </a:r>
+            <a:r>
+              <a:rPr lang="zh-TW" altLang="en-US" sz="6400" dirty="0" smtClean="0">
+                <a:solidFill>
+                  <a:srgbClr val="000066"/>
+                </a:solidFill>
+                <a:latin typeface="微軟正黑體" pitchFamily="34" charset="-120"/>
+                <a:ea typeface="微軟正黑體" pitchFamily="34" charset="-120"/>
+              </a:rPr>
+              <a:t>進</a:t>
+            </a:r>
+            <a:r>
+              <a:rPr lang="zh-TW" altLang="en-US" sz="6400" dirty="0">
+                <a:solidFill>
+                  <a:srgbClr val="000066"/>
+                </a:solidFill>
+                <a:latin typeface="微軟正黑體" pitchFamily="34" charset="-120"/>
+                <a:ea typeface="微軟正黑體" pitchFamily="34" charset="-120"/>
+              </a:rPr>
+              <a:t>到神面前的人他都能拯救到底；因</a:t>
+            </a:r>
+            <a:r>
+              <a:rPr lang="zh-TW" altLang="en-US" sz="6400" dirty="0" smtClean="0">
+                <a:solidFill>
+                  <a:srgbClr val="000066"/>
+                </a:solidFill>
+                <a:latin typeface="微軟正黑體" pitchFamily="34" charset="-120"/>
+                <a:ea typeface="微軟正黑體" pitchFamily="34" charset="-120"/>
+              </a:rPr>
+              <a:t>為</a:t>
+            </a:r>
+            <a:r>
+              <a:rPr lang="zh-CN" altLang="en-US" sz="6400" dirty="0">
+                <a:solidFill>
+                  <a:srgbClr val="000066"/>
+                </a:solidFill>
+                <a:latin typeface="微軟正黑體" pitchFamily="34" charset="-120"/>
+                <a:ea typeface="微軟正黑體" pitchFamily="34" charset="-120"/>
+              </a:rPr>
+              <a:t>祂</a:t>
+            </a:r>
+            <a:r>
+              <a:rPr lang="zh-TW" altLang="en-US" sz="6400" dirty="0" smtClean="0">
+                <a:solidFill>
+                  <a:srgbClr val="000066"/>
+                </a:solidFill>
+                <a:latin typeface="微軟正黑體" pitchFamily="34" charset="-120"/>
+                <a:ea typeface="微軟正黑體" pitchFamily="34" charset="-120"/>
+              </a:rPr>
+              <a:t>是</a:t>
+            </a:r>
+            <a:r>
+              <a:rPr lang="zh-TW" altLang="en-US" sz="6400" dirty="0">
+                <a:solidFill>
+                  <a:srgbClr val="000066"/>
+                </a:solidFill>
+                <a:latin typeface="微軟正黑體" pitchFamily="34" charset="-120"/>
+                <a:ea typeface="微軟正黑體" pitchFamily="34" charset="-120"/>
+              </a:rPr>
+              <a:t>長遠活著，替他們祈求</a:t>
             </a:r>
             <a:endParaRPr lang="en-US" altLang="zh-TW" sz="6400" dirty="0">
               <a:solidFill>
@@ -4046,7 +4126,47 @@
                 <a:latin typeface="微軟正黑體" pitchFamily="34" charset="-120"/>
                 <a:ea typeface="微軟正黑體" pitchFamily="34" charset="-120"/>
               </a:rPr>
-              <a:t>然而，神堅固的根基立住了；上面有這印記說：「主認識誰是他的人」；又說：「凡稱呼主名的人總要離開不義。」</a:t>
+              <a:t>然而，神堅固的根基立住了；上面有這印記說：「主認識誰</a:t>
+            </a:r>
+            <a:r>
+              <a:rPr lang="zh-TW" altLang="en-US" sz="6400" dirty="0" smtClean="0">
+                <a:solidFill>
+                  <a:srgbClr val="000066"/>
+                </a:solidFill>
+                <a:latin typeface="微軟正黑體" pitchFamily="34" charset="-120"/>
+                <a:ea typeface="微軟正黑體" pitchFamily="34" charset="-120"/>
+              </a:rPr>
+              <a:t>是</a:t>
+            </a:r>
+            <a:r>
+              <a:rPr lang="zh-CN" altLang="en-US" sz="6400" dirty="0">
+                <a:solidFill>
+                  <a:srgbClr val="000066"/>
+                </a:solidFill>
+                <a:latin typeface="微軟正黑體" pitchFamily="34" charset="-120"/>
+                <a:ea typeface="微軟正黑體" pitchFamily="34" charset="-120"/>
+              </a:rPr>
+              <a:t>祂</a:t>
+            </a:r>
+            <a:r>
+              <a:rPr lang="zh-TW" altLang="en-US" sz="6400" dirty="0" smtClean="0">
+                <a:solidFill>
+                  <a:srgbClr val="000066"/>
+                </a:solidFill>
+                <a:latin typeface="微軟正黑體" pitchFamily="34" charset="-120"/>
+                <a:ea typeface="微軟正黑體" pitchFamily="34" charset="-120"/>
+              </a:rPr>
+              <a:t>的</a:t>
+            </a:r>
+            <a:r>
+              <a:rPr lang="zh-TW" altLang="en-US" sz="6400" dirty="0">
+                <a:solidFill>
+                  <a:srgbClr val="000066"/>
+                </a:solidFill>
+                <a:latin typeface="微軟正黑體" pitchFamily="34" charset="-120"/>
+                <a:ea typeface="微軟正黑體" pitchFamily="34" charset="-120"/>
+              </a:rPr>
+              <a:t>人」；又說：「凡稱呼主名的人總要離開不義。」</a:t>
             </a:r>
             <a:r>
               <a:rPr lang="en-US" altLang="zh-TW" sz="6600" dirty="0">
@@ -4058,13 +4178,6 @@
               </a:rPr>
               <a:t> </a:t>
             </a:r>
-            <a:endParaRPr lang="en-US" altLang="zh-TW" sz="6600" dirty="0">
-              <a:solidFill>
-                <a:srgbClr val="000066"/>
-              </a:solidFill>
-              <a:latin typeface="微軟正黑體" pitchFamily="34" charset="-120"/>
-              <a:ea typeface="微軟正黑體" pitchFamily="34" charset="-120"/>
-            </a:endParaRPr>
           </a:p>
         </p:txBody>
       </p:sp>
@@ -4147,13 +4260,6 @@
               </a:rPr>
               <a:t> </a:t>
             </a:r>
-            <a:endParaRPr lang="en-US" altLang="zh-TW" sz="6600" b="1" dirty="0">
-              <a:solidFill>
-                <a:srgbClr val="000066"/>
-              </a:solidFill>
-              <a:latin typeface="微軟正黑體" pitchFamily="34" charset="-120"/>
-              <a:ea typeface="微軟正黑體" pitchFamily="34" charset="-120"/>
-            </a:endParaRPr>
           </a:p>
         </p:txBody>
       </p:sp>

--- a/32成為聖潔.pptx
+++ b/32成為聖潔.pptx
@@ -312,7 +312,7 @@
             <a:fld id="{86B5546F-C09B-4E63-ABC5-F7C86A7E8D66}" type="datetimeFigureOut">
               <a:rPr lang="en-US" smtClean="0"/>
               <a:pPr/>
-              <a:t>5/6/2023</a:t>
+              <a:t>5/9/2023</a:t>
             </a:fld>
             <a:endParaRPr lang="en-US"/>
           </a:p>
@@ -484,7 +484,7 @@
             <a:fld id="{86B5546F-C09B-4E63-ABC5-F7C86A7E8D66}" type="datetimeFigureOut">
               <a:rPr lang="en-US" smtClean="0"/>
               <a:pPr/>
-              <a:t>5/6/2023</a:t>
+              <a:t>5/9/2023</a:t>
             </a:fld>
             <a:endParaRPr lang="en-US"/>
           </a:p>
@@ -666,7 +666,7 @@
             <a:fld id="{86B5546F-C09B-4E63-ABC5-F7C86A7E8D66}" type="datetimeFigureOut">
               <a:rPr lang="en-US" smtClean="0"/>
               <a:pPr/>
-              <a:t>5/6/2023</a:t>
+              <a:t>5/9/2023</a:t>
             </a:fld>
             <a:endParaRPr lang="en-US"/>
           </a:p>
@@ -838,7 +838,7 @@
             <a:fld id="{86B5546F-C09B-4E63-ABC5-F7C86A7E8D66}" type="datetimeFigureOut">
               <a:rPr lang="en-US" smtClean="0"/>
               <a:pPr/>
-              <a:t>5/6/2023</a:t>
+              <a:t>5/9/2023</a:t>
             </a:fld>
             <a:endParaRPr lang="en-US"/>
           </a:p>
@@ -1086,7 +1086,7 @@
             <a:fld id="{86B5546F-C09B-4E63-ABC5-F7C86A7E8D66}" type="datetimeFigureOut">
               <a:rPr lang="en-US" smtClean="0"/>
               <a:pPr/>
-              <a:t>5/6/2023</a:t>
+              <a:t>5/9/2023</a:t>
             </a:fld>
             <a:endParaRPr lang="en-US"/>
           </a:p>
@@ -1376,7 +1376,7 @@
             <a:fld id="{86B5546F-C09B-4E63-ABC5-F7C86A7E8D66}" type="datetimeFigureOut">
               <a:rPr lang="en-US" smtClean="0"/>
               <a:pPr/>
-              <a:t>5/6/2023</a:t>
+              <a:t>5/9/2023</a:t>
             </a:fld>
             <a:endParaRPr lang="en-US"/>
           </a:p>
@@ -1800,7 +1800,7 @@
             <a:fld id="{86B5546F-C09B-4E63-ABC5-F7C86A7E8D66}" type="datetimeFigureOut">
               <a:rPr lang="en-US" smtClean="0"/>
               <a:pPr/>
-              <a:t>5/6/2023</a:t>
+              <a:t>5/9/2023</a:t>
             </a:fld>
             <a:endParaRPr lang="en-US"/>
           </a:p>
@@ -1920,7 +1920,7 @@
             <a:fld id="{86B5546F-C09B-4E63-ABC5-F7C86A7E8D66}" type="datetimeFigureOut">
               <a:rPr lang="en-US" smtClean="0"/>
               <a:pPr/>
-              <a:t>5/6/2023</a:t>
+              <a:t>5/9/2023</a:t>
             </a:fld>
             <a:endParaRPr lang="en-US"/>
           </a:p>
@@ -2017,7 +2017,7 @@
             <a:fld id="{86B5546F-C09B-4E63-ABC5-F7C86A7E8D66}" type="datetimeFigureOut">
               <a:rPr lang="en-US" smtClean="0"/>
               <a:pPr/>
-              <a:t>5/6/2023</a:t>
+              <a:t>5/9/2023</a:t>
             </a:fld>
             <a:endParaRPr lang="en-US"/>
           </a:p>
@@ -2296,7 +2296,7 @@
             <a:fld id="{86B5546F-C09B-4E63-ABC5-F7C86A7E8D66}" type="datetimeFigureOut">
               <a:rPr lang="en-US" smtClean="0"/>
               <a:pPr/>
-              <a:t>5/6/2023</a:t>
+              <a:t>5/9/2023</a:t>
             </a:fld>
             <a:endParaRPr lang="en-US"/>
           </a:p>
@@ -2555,7 +2555,7 @@
             <a:fld id="{86B5546F-C09B-4E63-ABC5-F7C86A7E8D66}" type="datetimeFigureOut">
               <a:rPr lang="en-US" smtClean="0"/>
               <a:pPr/>
-              <a:t>5/6/2023</a:t>
+              <a:t>5/9/2023</a:t>
             </a:fld>
             <a:endParaRPr lang="en-US"/>
           </a:p>
@@ -2775,7 +2775,7 @@
             <a:fld id="{86B5546F-C09B-4E63-ABC5-F7C86A7E8D66}" type="datetimeFigureOut">
               <a:rPr lang="en-US" smtClean="0"/>
               <a:pPr/>
-              <a:t>5/6/2023</a:t>
+              <a:t>5/9/2023</a:t>
             </a:fld>
             <a:endParaRPr lang="en-US"/>
           </a:p>
@@ -3824,7 +3824,47 @@
                 <a:latin typeface="微軟正黑體" pitchFamily="34" charset="-120"/>
                 <a:ea typeface="微軟正黑體" pitchFamily="34" charset="-120"/>
               </a:rPr>
-              <a:t>到神面前的人他都能拯救到底；因</a:t>
+              <a:t>到神面前的</a:t>
+            </a:r>
+            <a:r>
+              <a:rPr lang="zh-TW" altLang="en-US" sz="6400" dirty="0" smtClean="0">
+                <a:solidFill>
+                  <a:srgbClr val="000066"/>
+                </a:solidFill>
+                <a:latin typeface="微軟正黑體" pitchFamily="34" charset="-120"/>
+                <a:ea typeface="微軟正黑體" pitchFamily="34" charset="-120"/>
+              </a:rPr>
+              <a:t>人</a:t>
+            </a:r>
+            <a:r>
+              <a:rPr lang="zh-CN" altLang="en-US" sz="6400" dirty="0">
+                <a:solidFill>
+                  <a:srgbClr val="000066"/>
+                </a:solidFill>
+                <a:latin typeface="微軟正黑體" pitchFamily="34" charset="-120"/>
+                <a:ea typeface="微軟正黑體" pitchFamily="34" charset="-120"/>
+              </a:rPr>
+              <a:t>祂</a:t>
+            </a:r>
+            <a:r>
+              <a:rPr lang="zh-TW" altLang="en-US" sz="6400" dirty="0" smtClean="0">
+                <a:solidFill>
+                  <a:srgbClr val="000066"/>
+                </a:solidFill>
+                <a:latin typeface="微軟正黑體" pitchFamily="34" charset="-120"/>
+                <a:ea typeface="微軟正黑體" pitchFamily="34" charset="-120"/>
+              </a:rPr>
+              <a:t>都</a:t>
+            </a:r>
+            <a:r>
+              <a:rPr lang="zh-TW" altLang="en-US" sz="6400" dirty="0">
+                <a:solidFill>
+                  <a:srgbClr val="000066"/>
+                </a:solidFill>
+                <a:latin typeface="微軟正黑體" pitchFamily="34" charset="-120"/>
+                <a:ea typeface="微軟正黑體" pitchFamily="34" charset="-120"/>
+              </a:rPr>
+              <a:t>能拯救到底；因</a:t>
             </a:r>
             <a:r>
               <a:rPr lang="zh-TW" altLang="en-US" sz="6400" dirty="0" smtClean="0">
